--- a/doc/Architecture_Design.pptx
+++ b/doc/Architecture_Design.pptx
@@ -241,7 +241,7 @@
           <a:p>
             <a:fld id="{D997B5FA-0921-464F-AAE1-844C04324D75}" type="datetimeFigureOut">
               <a:rPr lang="zh-CN" altLang="en-US" smtClean="0"/>
-              <a:t>2020/10/18</a:t>
+              <a:t>2020/11/9</a:t>
             </a:fld>
             <a:endParaRPr lang="zh-CN" altLang="en-US"/>
           </a:p>
@@ -404,7 +404,7 @@
           <a:p>
             <a:fld id="{D997B5FA-0921-464F-AAE1-844C04324D75}" type="datetimeFigureOut">
               <a:rPr lang="zh-CN" altLang="en-US" smtClean="0"/>
-              <a:t>2020/10/18</a:t>
+              <a:t>2020/11/9</a:t>
             </a:fld>
             <a:endParaRPr lang="zh-CN" altLang="en-US"/>
           </a:p>
@@ -577,7 +577,7 @@
           <a:p>
             <a:fld id="{D997B5FA-0921-464F-AAE1-844C04324D75}" type="datetimeFigureOut">
               <a:rPr lang="zh-CN" altLang="en-US" smtClean="0"/>
-              <a:t>2020/10/18</a:t>
+              <a:t>2020/11/9</a:t>
             </a:fld>
             <a:endParaRPr lang="zh-CN" altLang="en-US"/>
           </a:p>
@@ -740,7 +740,7 @@
           <a:p>
             <a:fld id="{D997B5FA-0921-464F-AAE1-844C04324D75}" type="datetimeFigureOut">
               <a:rPr lang="zh-CN" altLang="en-US" smtClean="0"/>
-              <a:t>2020/10/18</a:t>
+              <a:t>2020/11/9</a:t>
             </a:fld>
             <a:endParaRPr lang="zh-CN" altLang="en-US"/>
           </a:p>
@@ -980,7 +980,7 @@
           <a:p>
             <a:fld id="{D997B5FA-0921-464F-AAE1-844C04324D75}" type="datetimeFigureOut">
               <a:rPr lang="zh-CN" altLang="en-US" smtClean="0"/>
-              <a:t>2020/10/18</a:t>
+              <a:t>2020/11/9</a:t>
             </a:fld>
             <a:endParaRPr lang="zh-CN" altLang="en-US"/>
           </a:p>
@@ -1204,7 +1204,7 @@
           <a:p>
             <a:fld id="{D997B5FA-0921-464F-AAE1-844C04324D75}" type="datetimeFigureOut">
               <a:rPr lang="zh-CN" altLang="en-US" smtClean="0"/>
-              <a:t>2020/10/18</a:t>
+              <a:t>2020/11/9</a:t>
             </a:fld>
             <a:endParaRPr lang="zh-CN" altLang="en-US"/>
           </a:p>
@@ -1563,7 +1563,7 @@
           <a:p>
             <a:fld id="{D997B5FA-0921-464F-AAE1-844C04324D75}" type="datetimeFigureOut">
               <a:rPr lang="zh-CN" altLang="en-US" smtClean="0"/>
-              <a:t>2020/10/18</a:t>
+              <a:t>2020/11/9</a:t>
             </a:fld>
             <a:endParaRPr lang="zh-CN" altLang="en-US"/>
           </a:p>
@@ -1675,7 +1675,7 @@
           <a:p>
             <a:fld id="{D997B5FA-0921-464F-AAE1-844C04324D75}" type="datetimeFigureOut">
               <a:rPr lang="zh-CN" altLang="en-US" smtClean="0"/>
-              <a:t>2020/10/18</a:t>
+              <a:t>2020/11/9</a:t>
             </a:fld>
             <a:endParaRPr lang="zh-CN" altLang="en-US"/>
           </a:p>
@@ -1765,7 +1765,7 @@
           <a:p>
             <a:fld id="{D997B5FA-0921-464F-AAE1-844C04324D75}" type="datetimeFigureOut">
               <a:rPr lang="zh-CN" altLang="en-US" smtClean="0"/>
-              <a:t>2020/10/18</a:t>
+              <a:t>2020/11/9</a:t>
             </a:fld>
             <a:endParaRPr lang="zh-CN" altLang="en-US"/>
           </a:p>
@@ -2035,7 +2035,7 @@
           <a:p>
             <a:fld id="{D997B5FA-0921-464F-AAE1-844C04324D75}" type="datetimeFigureOut">
               <a:rPr lang="zh-CN" altLang="en-US" smtClean="0"/>
-              <a:t>2020/10/18</a:t>
+              <a:t>2020/11/9</a:t>
             </a:fld>
             <a:endParaRPr lang="zh-CN" altLang="en-US"/>
           </a:p>
@@ -2282,7 +2282,7 @@
           <a:p>
             <a:fld id="{D997B5FA-0921-464F-AAE1-844C04324D75}" type="datetimeFigureOut">
               <a:rPr lang="zh-CN" altLang="en-US" smtClean="0"/>
-              <a:t>2020/10/18</a:t>
+              <a:t>2020/11/9</a:t>
             </a:fld>
             <a:endParaRPr lang="zh-CN" altLang="en-US"/>
           </a:p>
@@ -2488,7 +2488,7 @@
           <a:p>
             <a:fld id="{D997B5FA-0921-464F-AAE1-844C04324D75}" type="datetimeFigureOut">
               <a:rPr lang="zh-CN" altLang="en-US" smtClean="0"/>
-              <a:t>2020/10/18</a:t>
+              <a:t>2020/11/9</a:t>
             </a:fld>
             <a:endParaRPr lang="zh-CN" altLang="en-US"/>
           </a:p>
@@ -3028,7 +3028,7 @@
             <a:pPr algn="ctr"/>
             <a:r>
               <a:rPr lang="en-US" altLang="zh-CN" sz="1200" dirty="0"/>
-              <a:t>setup_nor_driver()</a:t>
+              <a:t>setup nor driver </a:t>
             </a:r>
           </a:p>
         </p:txBody>
@@ -3188,7 +3188,7 @@
             <a:pPr algn="ctr"/>
             <a:r>
               <a:rPr lang="en-US" altLang="zh-CN" sz="1200" dirty="0"/>
-              <a:t>flash_auto_probe()</a:t>
+              <a:t>flash auto probe</a:t>
             </a:r>
           </a:p>
         </p:txBody>
@@ -3231,7 +3231,7 @@
             <a:pPr algn="ctr"/>
             <a:r>
               <a:rPr lang="en-US" altLang="zh-CN" sz="1200" dirty="0"/>
-              <a:t>find_imxrt_part()</a:t>
+              <a:t>find i.mxrt part </a:t>
             </a:r>
           </a:p>
         </p:txBody>
@@ -4223,8 +4223,21 @@
                   <a:schemeClr val="tx1"/>
                 </a:solidFill>
               </a:rPr>
-              <a:t>RT-UniversalFlashloader</a:t>
-            </a:r>
+              <a:t>RT-UFL</a:t>
+            </a:r>
+            <a:r>
+              <a:rPr lang="zh-CN" altLang="en-US" dirty="0">
+                <a:solidFill>
+                  <a:schemeClr val="tx1"/>
+                </a:solidFill>
+              </a:rPr>
+              <a:t>框架</a:t>
+            </a:r>
+            <a:endParaRPr lang="en-US" dirty="0">
+              <a:solidFill>
+                <a:schemeClr val="tx1"/>
+              </a:solidFill>
+            </a:endParaRPr>
           </a:p>
         </p:txBody>
       </p:sp>
